--- a/Ausarbeitung/Versuchsaufbau.pptx
+++ b/Ausarbeitung/Versuchsaufbau.pptx
@@ -105,6 +105,11 @@
       </a:defRPr>
     </a:lvl9pPr>
   </p:defaultTextStyle>
+  <p:extLst>
+    <p:ext uri="{EFAFB233-063F-42B5-8137-9DF3F51BA10A}">
+      <p15:sldGuideLst xmlns:p15="http://schemas.microsoft.com/office/powerpoint/2012/main"/>
+    </p:ext>
+  </p:extLst>
 </p:presentation>
 </file>
 
@@ -234,7 +239,7 @@
       </p:sp>
       <p:sp>
         <p:nvSpPr>
-          <p:cNvPr id="4" name="Datumsplatzhalter 3">
+          <p:cNvPr id="4" name="Datumsplatzhalter 3" hidden="1">
             <a:extLst>
               <a:ext uri="{FF2B5EF4-FFF2-40B4-BE49-F238E27FC236}">
                 <a16:creationId xmlns:a16="http://schemas.microsoft.com/office/drawing/2014/main" id="{44D713FA-F433-3260-5E5C-D625D5AD4BB8}"/>
@@ -253,10 +258,10 @@
           <a:bodyPr/>
           <a:lstStyle/>
           <a:p>
-            <a:fld id="{DDA3F94C-88A9-4510-B8D7-CD22C18CF4A5}" type="datetimeFigureOut">
+            <a:r>
               <a:rPr lang="de-DE" smtClean="0"/>
-              <a:t>27.05.2022</a:t>
-            </a:fld>
+              <a:t> </a:t>
+            </a:r>
             <a:endParaRPr lang="de-DE"/>
           </a:p>
         </p:txBody>
@@ -288,7 +293,7 @@
       </p:sp>
       <p:sp>
         <p:nvSpPr>
-          <p:cNvPr id="6" name="Foliennummernplatzhalter 5">
+          <p:cNvPr id="6" name="Foliennummernplatzhalter 5" hidden="1">
             <a:extLst>
               <a:ext uri="{FF2B5EF4-FFF2-40B4-BE49-F238E27FC236}">
                 <a16:creationId xmlns:a16="http://schemas.microsoft.com/office/drawing/2014/main" id="{FD83B482-ADDB-B654-47B7-F3C8786BD29C}"/>
@@ -307,10 +312,10 @@
           <a:bodyPr/>
           <a:lstStyle/>
           <a:p>
-            <a:fld id="{3070C5CD-A321-4353-8801-E0AE8147DE01}" type="slidenum">
+            <a:r>
               <a:rPr lang="de-DE" smtClean="0"/>
-              <a:t>‹Nr.›</a:t>
-            </a:fld>
+              <a:t> </a:t>
+            </a:r>
             <a:endParaRPr lang="de-DE"/>
           </a:p>
         </p:txBody>
@@ -432,7 +437,7 @@
       </p:sp>
       <p:sp>
         <p:nvSpPr>
-          <p:cNvPr id="4" name="Datumsplatzhalter 3">
+          <p:cNvPr id="4" name="Datumsplatzhalter 3" hidden="1">
             <a:extLst>
               <a:ext uri="{FF2B5EF4-FFF2-40B4-BE49-F238E27FC236}">
                 <a16:creationId xmlns:a16="http://schemas.microsoft.com/office/drawing/2014/main" id="{9A8240D3-D030-B375-29FD-D51FC990DAFF}"/>
@@ -451,10 +456,10 @@
           <a:bodyPr/>
           <a:lstStyle/>
           <a:p>
-            <a:fld id="{DDA3F94C-88A9-4510-B8D7-CD22C18CF4A5}" type="datetimeFigureOut">
+            <a:r>
               <a:rPr lang="de-DE" smtClean="0"/>
-              <a:t>27.05.2022</a:t>
-            </a:fld>
+              <a:t> </a:t>
+            </a:r>
             <a:endParaRPr lang="de-DE"/>
           </a:p>
         </p:txBody>
@@ -486,7 +491,7 @@
       </p:sp>
       <p:sp>
         <p:nvSpPr>
-          <p:cNvPr id="6" name="Foliennummernplatzhalter 5">
+          <p:cNvPr id="6" name="Foliennummernplatzhalter 5" hidden="1">
             <a:extLst>
               <a:ext uri="{FF2B5EF4-FFF2-40B4-BE49-F238E27FC236}">
                 <a16:creationId xmlns:a16="http://schemas.microsoft.com/office/drawing/2014/main" id="{9AF5854C-6FF8-0AD7-B468-E3E6D5C31A15}"/>
@@ -505,10 +510,10 @@
           <a:bodyPr/>
           <a:lstStyle/>
           <a:p>
-            <a:fld id="{3070C5CD-A321-4353-8801-E0AE8147DE01}" type="slidenum">
+            <a:r>
               <a:rPr lang="de-DE" smtClean="0"/>
-              <a:t>‹Nr.›</a:t>
-            </a:fld>
+              <a:t> </a:t>
+            </a:r>
             <a:endParaRPr lang="de-DE"/>
           </a:p>
         </p:txBody>
@@ -640,7 +645,7 @@
       </p:sp>
       <p:sp>
         <p:nvSpPr>
-          <p:cNvPr id="4" name="Datumsplatzhalter 3">
+          <p:cNvPr id="4" name="Datumsplatzhalter 3" hidden="1">
             <a:extLst>
               <a:ext uri="{FF2B5EF4-FFF2-40B4-BE49-F238E27FC236}">
                 <a16:creationId xmlns:a16="http://schemas.microsoft.com/office/drawing/2014/main" id="{AE62BB9B-757B-B2DC-7F41-BC58A16087EA}"/>
@@ -659,10 +664,10 @@
           <a:bodyPr/>
           <a:lstStyle/>
           <a:p>
-            <a:fld id="{DDA3F94C-88A9-4510-B8D7-CD22C18CF4A5}" type="datetimeFigureOut">
+            <a:r>
               <a:rPr lang="de-DE" smtClean="0"/>
-              <a:t>27.05.2022</a:t>
-            </a:fld>
+              <a:t> </a:t>
+            </a:r>
             <a:endParaRPr lang="de-DE"/>
           </a:p>
         </p:txBody>
@@ -694,7 +699,7 @@
       </p:sp>
       <p:sp>
         <p:nvSpPr>
-          <p:cNvPr id="6" name="Foliennummernplatzhalter 5">
+          <p:cNvPr id="6" name="Foliennummernplatzhalter 5" hidden="1">
             <a:extLst>
               <a:ext uri="{FF2B5EF4-FFF2-40B4-BE49-F238E27FC236}">
                 <a16:creationId xmlns:a16="http://schemas.microsoft.com/office/drawing/2014/main" id="{F7C71C3E-0025-ECD1-2E1B-A55BE315B68A}"/>
@@ -713,10 +718,10 @@
           <a:bodyPr/>
           <a:lstStyle/>
           <a:p>
-            <a:fld id="{3070C5CD-A321-4353-8801-E0AE8147DE01}" type="slidenum">
+            <a:r>
               <a:rPr lang="de-DE" smtClean="0"/>
-              <a:t>‹Nr.›</a:t>
-            </a:fld>
+              <a:t> </a:t>
+            </a:r>
             <a:endParaRPr lang="de-DE"/>
           </a:p>
         </p:txBody>
@@ -838,7 +843,7 @@
       </p:sp>
       <p:sp>
         <p:nvSpPr>
-          <p:cNvPr id="4" name="Datumsplatzhalter 3">
+          <p:cNvPr id="4" name="Datumsplatzhalter 3" hidden="1">
             <a:extLst>
               <a:ext uri="{FF2B5EF4-FFF2-40B4-BE49-F238E27FC236}">
                 <a16:creationId xmlns:a16="http://schemas.microsoft.com/office/drawing/2014/main" id="{E476A0DB-1347-CDA7-FB82-45C5694A92AF}"/>
@@ -857,10 +862,10 @@
           <a:bodyPr/>
           <a:lstStyle/>
           <a:p>
-            <a:fld id="{DDA3F94C-88A9-4510-B8D7-CD22C18CF4A5}" type="datetimeFigureOut">
+            <a:r>
               <a:rPr lang="de-DE" smtClean="0"/>
-              <a:t>27.05.2022</a:t>
-            </a:fld>
+              <a:t> </a:t>
+            </a:r>
             <a:endParaRPr lang="de-DE"/>
           </a:p>
         </p:txBody>
@@ -892,7 +897,7 @@
       </p:sp>
       <p:sp>
         <p:nvSpPr>
-          <p:cNvPr id="6" name="Foliennummernplatzhalter 5">
+          <p:cNvPr id="6" name="Foliennummernplatzhalter 5" hidden="1">
             <a:extLst>
               <a:ext uri="{FF2B5EF4-FFF2-40B4-BE49-F238E27FC236}">
                 <a16:creationId xmlns:a16="http://schemas.microsoft.com/office/drawing/2014/main" id="{D808B692-2387-4B6D-9CAF-C2BDF84113FD}"/>
@@ -911,10 +916,10 @@
           <a:bodyPr/>
           <a:lstStyle/>
           <a:p>
-            <a:fld id="{3070C5CD-A321-4353-8801-E0AE8147DE01}" type="slidenum">
+            <a:r>
               <a:rPr lang="de-DE" smtClean="0"/>
-              <a:t>‹Nr.›</a:t>
-            </a:fld>
+              <a:t> </a:t>
+            </a:r>
             <a:endParaRPr lang="de-DE"/>
           </a:p>
         </p:txBody>
@@ -1113,7 +1118,7 @@
       </p:sp>
       <p:sp>
         <p:nvSpPr>
-          <p:cNvPr id="4" name="Datumsplatzhalter 3">
+          <p:cNvPr id="4" name="Datumsplatzhalter 3" hidden="1">
             <a:extLst>
               <a:ext uri="{FF2B5EF4-FFF2-40B4-BE49-F238E27FC236}">
                 <a16:creationId xmlns:a16="http://schemas.microsoft.com/office/drawing/2014/main" id="{A838871F-ABBB-CA64-ECEC-57480BEC1C33}"/>
@@ -1132,10 +1137,10 @@
           <a:bodyPr/>
           <a:lstStyle/>
           <a:p>
-            <a:fld id="{DDA3F94C-88A9-4510-B8D7-CD22C18CF4A5}" type="datetimeFigureOut">
+            <a:r>
               <a:rPr lang="de-DE" smtClean="0"/>
-              <a:t>27.05.2022</a:t>
-            </a:fld>
+              <a:t> </a:t>
+            </a:r>
             <a:endParaRPr lang="de-DE"/>
           </a:p>
         </p:txBody>
@@ -1167,7 +1172,7 @@
       </p:sp>
       <p:sp>
         <p:nvSpPr>
-          <p:cNvPr id="6" name="Foliennummernplatzhalter 5">
+          <p:cNvPr id="6" name="Foliennummernplatzhalter 5" hidden="1">
             <a:extLst>
               <a:ext uri="{FF2B5EF4-FFF2-40B4-BE49-F238E27FC236}">
                 <a16:creationId xmlns:a16="http://schemas.microsoft.com/office/drawing/2014/main" id="{0EE11D2A-1887-0E78-67DA-BEC9FB27D5F0}"/>
@@ -1186,10 +1191,10 @@
           <a:bodyPr/>
           <a:lstStyle/>
           <a:p>
-            <a:fld id="{3070C5CD-A321-4353-8801-E0AE8147DE01}" type="slidenum">
+            <a:r>
               <a:rPr lang="de-DE" smtClean="0"/>
-              <a:t>‹Nr.›</a:t>
-            </a:fld>
+              <a:t> </a:t>
+            </a:r>
             <a:endParaRPr lang="de-DE"/>
           </a:p>
         </p:txBody>
@@ -1378,7 +1383,7 @@
       </p:sp>
       <p:sp>
         <p:nvSpPr>
-          <p:cNvPr id="5" name="Datumsplatzhalter 4">
+          <p:cNvPr id="5" name="Datumsplatzhalter 4" hidden="1">
             <a:extLst>
               <a:ext uri="{FF2B5EF4-FFF2-40B4-BE49-F238E27FC236}">
                 <a16:creationId xmlns:a16="http://schemas.microsoft.com/office/drawing/2014/main" id="{C6009B99-365D-E025-4682-2C8E583DB349}"/>
@@ -1397,10 +1402,10 @@
           <a:bodyPr/>
           <a:lstStyle/>
           <a:p>
-            <a:fld id="{DDA3F94C-88A9-4510-B8D7-CD22C18CF4A5}" type="datetimeFigureOut">
+            <a:r>
               <a:rPr lang="de-DE" smtClean="0"/>
-              <a:t>27.05.2022</a:t>
-            </a:fld>
+              <a:t> </a:t>
+            </a:r>
             <a:endParaRPr lang="de-DE"/>
           </a:p>
         </p:txBody>
@@ -1432,7 +1437,7 @@
       </p:sp>
       <p:sp>
         <p:nvSpPr>
-          <p:cNvPr id="7" name="Foliennummernplatzhalter 6">
+          <p:cNvPr id="7" name="Foliennummernplatzhalter 6" hidden="1">
             <a:extLst>
               <a:ext uri="{FF2B5EF4-FFF2-40B4-BE49-F238E27FC236}">
                 <a16:creationId xmlns:a16="http://schemas.microsoft.com/office/drawing/2014/main" id="{919762D2-BCD8-C0B6-974D-4EA1354E3C57}"/>
@@ -1451,10 +1456,10 @@
           <a:bodyPr/>
           <a:lstStyle/>
           <a:p>
-            <a:fld id="{3070C5CD-A321-4353-8801-E0AE8147DE01}" type="slidenum">
+            <a:r>
               <a:rPr lang="de-DE" smtClean="0"/>
-              <a:t>‹Nr.›</a:t>
-            </a:fld>
+              <a:t> </a:t>
+            </a:r>
             <a:endParaRPr lang="de-DE"/>
           </a:p>
         </p:txBody>
@@ -1790,7 +1795,7 @@
       </p:sp>
       <p:sp>
         <p:nvSpPr>
-          <p:cNvPr id="7" name="Datumsplatzhalter 6">
+          <p:cNvPr id="7" name="Datumsplatzhalter 6" hidden="1">
             <a:extLst>
               <a:ext uri="{FF2B5EF4-FFF2-40B4-BE49-F238E27FC236}">
                 <a16:creationId xmlns:a16="http://schemas.microsoft.com/office/drawing/2014/main" id="{B738D491-A8C9-AD14-5FD9-52975D695DFF}"/>
@@ -1809,10 +1814,10 @@
           <a:bodyPr/>
           <a:lstStyle/>
           <a:p>
-            <a:fld id="{DDA3F94C-88A9-4510-B8D7-CD22C18CF4A5}" type="datetimeFigureOut">
+            <a:r>
               <a:rPr lang="de-DE" smtClean="0"/>
-              <a:t>27.05.2022</a:t>
-            </a:fld>
+              <a:t> </a:t>
+            </a:r>
             <a:endParaRPr lang="de-DE"/>
           </a:p>
         </p:txBody>
@@ -1844,7 +1849,7 @@
       </p:sp>
       <p:sp>
         <p:nvSpPr>
-          <p:cNvPr id="9" name="Foliennummernplatzhalter 8">
+          <p:cNvPr id="9" name="Foliennummernplatzhalter 8" hidden="1">
             <a:extLst>
               <a:ext uri="{FF2B5EF4-FFF2-40B4-BE49-F238E27FC236}">
                 <a16:creationId xmlns:a16="http://schemas.microsoft.com/office/drawing/2014/main" id="{2C41AE60-D4DD-7D6A-2F10-2BCAC8402247}"/>
@@ -1863,10 +1868,10 @@
           <a:bodyPr/>
           <a:lstStyle/>
           <a:p>
-            <a:fld id="{3070C5CD-A321-4353-8801-E0AE8147DE01}" type="slidenum">
+            <a:r>
               <a:rPr lang="de-DE" smtClean="0"/>
-              <a:t>‹Nr.›</a:t>
-            </a:fld>
+              <a:t> </a:t>
+            </a:r>
             <a:endParaRPr lang="de-DE"/>
           </a:p>
         </p:txBody>
@@ -1931,7 +1936,7 @@
       </p:sp>
       <p:sp>
         <p:nvSpPr>
-          <p:cNvPr id="3" name="Datumsplatzhalter 2">
+          <p:cNvPr id="3" name="Datumsplatzhalter 2" hidden="1">
             <a:extLst>
               <a:ext uri="{FF2B5EF4-FFF2-40B4-BE49-F238E27FC236}">
                 <a16:creationId xmlns:a16="http://schemas.microsoft.com/office/drawing/2014/main" id="{FD678D1A-824F-4B4A-7C21-BEABDE7D2360}"/>
@@ -1950,10 +1955,10 @@
           <a:bodyPr/>
           <a:lstStyle/>
           <a:p>
-            <a:fld id="{DDA3F94C-88A9-4510-B8D7-CD22C18CF4A5}" type="datetimeFigureOut">
+            <a:r>
               <a:rPr lang="de-DE" smtClean="0"/>
-              <a:t>27.05.2022</a:t>
-            </a:fld>
+              <a:t> </a:t>
+            </a:r>
             <a:endParaRPr lang="de-DE"/>
           </a:p>
         </p:txBody>
@@ -1985,7 +1990,7 @@
       </p:sp>
       <p:sp>
         <p:nvSpPr>
-          <p:cNvPr id="5" name="Foliennummernplatzhalter 4">
+          <p:cNvPr id="5" name="Foliennummernplatzhalter 4" hidden="1">
             <a:extLst>
               <a:ext uri="{FF2B5EF4-FFF2-40B4-BE49-F238E27FC236}">
                 <a16:creationId xmlns:a16="http://schemas.microsoft.com/office/drawing/2014/main" id="{CD3912A5-FB5F-86E7-C975-C2850B8AE62B}"/>
@@ -2004,10 +2009,10 @@
           <a:bodyPr/>
           <a:lstStyle/>
           <a:p>
-            <a:fld id="{3070C5CD-A321-4353-8801-E0AE8147DE01}" type="slidenum">
+            <a:r>
               <a:rPr lang="de-DE" smtClean="0"/>
-              <a:t>‹Nr.›</a:t>
-            </a:fld>
+              <a:t> </a:t>
+            </a:r>
             <a:endParaRPr lang="de-DE"/>
           </a:p>
         </p:txBody>
@@ -2044,7 +2049,7 @@
       </p:grpSpPr>
       <p:sp>
         <p:nvSpPr>
-          <p:cNvPr id="2" name="Datumsplatzhalter 1">
+          <p:cNvPr id="2" name="Datumsplatzhalter 1" hidden="1">
             <a:extLst>
               <a:ext uri="{FF2B5EF4-FFF2-40B4-BE49-F238E27FC236}">
                 <a16:creationId xmlns:a16="http://schemas.microsoft.com/office/drawing/2014/main" id="{E2D9C278-6CC0-B3EA-F386-6A92E9508D6F}"/>
@@ -2063,10 +2068,10 @@
           <a:bodyPr/>
           <a:lstStyle/>
           <a:p>
-            <a:fld id="{DDA3F94C-88A9-4510-B8D7-CD22C18CF4A5}" type="datetimeFigureOut">
+            <a:r>
               <a:rPr lang="de-DE" smtClean="0"/>
-              <a:t>27.05.2022</a:t>
-            </a:fld>
+              <a:t> </a:t>
+            </a:r>
             <a:endParaRPr lang="de-DE"/>
           </a:p>
         </p:txBody>
@@ -2098,7 +2103,7 @@
       </p:sp>
       <p:sp>
         <p:nvSpPr>
-          <p:cNvPr id="4" name="Foliennummernplatzhalter 3">
+          <p:cNvPr id="4" name="Foliennummernplatzhalter 3" hidden="1">
             <a:extLst>
               <a:ext uri="{FF2B5EF4-FFF2-40B4-BE49-F238E27FC236}">
                 <a16:creationId xmlns:a16="http://schemas.microsoft.com/office/drawing/2014/main" id="{3AEB2BD6-58C0-6090-2A8D-96997069CB83}"/>
@@ -2117,10 +2122,10 @@
           <a:bodyPr/>
           <a:lstStyle/>
           <a:p>
-            <a:fld id="{3070C5CD-A321-4353-8801-E0AE8147DE01}" type="slidenum">
+            <a:r>
               <a:rPr lang="de-DE" smtClean="0"/>
-              <a:t>‹Nr.›</a:t>
-            </a:fld>
+              <a:t> </a:t>
+            </a:r>
             <a:endParaRPr lang="de-DE"/>
           </a:p>
         </p:txBody>
@@ -2355,7 +2360,7 @@
       </p:sp>
       <p:sp>
         <p:nvSpPr>
-          <p:cNvPr id="5" name="Datumsplatzhalter 4">
+          <p:cNvPr id="5" name="Datumsplatzhalter 4" hidden="1">
             <a:extLst>
               <a:ext uri="{FF2B5EF4-FFF2-40B4-BE49-F238E27FC236}">
                 <a16:creationId xmlns:a16="http://schemas.microsoft.com/office/drawing/2014/main" id="{EB80A904-D18C-A6D2-E421-69D4C4F78D3A}"/>
@@ -2374,10 +2379,10 @@
           <a:bodyPr/>
           <a:lstStyle/>
           <a:p>
-            <a:fld id="{DDA3F94C-88A9-4510-B8D7-CD22C18CF4A5}" type="datetimeFigureOut">
+            <a:r>
               <a:rPr lang="de-DE" smtClean="0"/>
-              <a:t>27.05.2022</a:t>
-            </a:fld>
+              <a:t> </a:t>
+            </a:r>
             <a:endParaRPr lang="de-DE"/>
           </a:p>
         </p:txBody>
@@ -2409,7 +2414,7 @@
       </p:sp>
       <p:sp>
         <p:nvSpPr>
-          <p:cNvPr id="7" name="Foliennummernplatzhalter 6">
+          <p:cNvPr id="7" name="Foliennummernplatzhalter 6" hidden="1">
             <a:extLst>
               <a:ext uri="{FF2B5EF4-FFF2-40B4-BE49-F238E27FC236}">
                 <a16:creationId xmlns:a16="http://schemas.microsoft.com/office/drawing/2014/main" id="{A327AC15-C381-BFE9-845C-483DB9909032}"/>
@@ -2428,10 +2433,10 @@
           <a:bodyPr/>
           <a:lstStyle/>
           <a:p>
-            <a:fld id="{3070C5CD-A321-4353-8801-E0AE8147DE01}" type="slidenum">
+            <a:r>
               <a:rPr lang="de-DE" smtClean="0"/>
-              <a:t>‹Nr.›</a:t>
-            </a:fld>
+              <a:t> </a:t>
+            </a:r>
             <a:endParaRPr lang="de-DE"/>
           </a:p>
         </p:txBody>
@@ -2643,7 +2648,7 @@
       </p:sp>
       <p:sp>
         <p:nvSpPr>
-          <p:cNvPr id="5" name="Datumsplatzhalter 4">
+          <p:cNvPr id="5" name="Datumsplatzhalter 4" hidden="1">
             <a:extLst>
               <a:ext uri="{FF2B5EF4-FFF2-40B4-BE49-F238E27FC236}">
                 <a16:creationId xmlns:a16="http://schemas.microsoft.com/office/drawing/2014/main" id="{F1E94234-6E6E-F823-021C-259E96D0FA5A}"/>
@@ -2662,10 +2667,10 @@
           <a:bodyPr/>
           <a:lstStyle/>
           <a:p>
-            <a:fld id="{DDA3F94C-88A9-4510-B8D7-CD22C18CF4A5}" type="datetimeFigureOut">
+            <a:r>
               <a:rPr lang="de-DE" smtClean="0"/>
-              <a:t>27.05.2022</a:t>
-            </a:fld>
+              <a:t> </a:t>
+            </a:r>
             <a:endParaRPr lang="de-DE"/>
           </a:p>
         </p:txBody>
@@ -2697,7 +2702,7 @@
       </p:sp>
       <p:sp>
         <p:nvSpPr>
-          <p:cNvPr id="7" name="Foliennummernplatzhalter 6">
+          <p:cNvPr id="7" name="Foliennummernplatzhalter 6" hidden="1">
             <a:extLst>
               <a:ext uri="{FF2B5EF4-FFF2-40B4-BE49-F238E27FC236}">
                 <a16:creationId xmlns:a16="http://schemas.microsoft.com/office/drawing/2014/main" id="{2BC63826-CBF2-4854-0194-C18C279D7F05}"/>
@@ -2716,10 +2721,10 @@
           <a:bodyPr/>
           <a:lstStyle/>
           <a:p>
-            <a:fld id="{3070C5CD-A321-4353-8801-E0AE8147DE01}" type="slidenum">
+            <a:r>
               <a:rPr lang="de-DE" smtClean="0"/>
-              <a:t>‹Nr.›</a:t>
-            </a:fld>
+              <a:t> </a:t>
+            </a:r>
             <a:endParaRPr lang="de-DE"/>
           </a:p>
         </p:txBody>
@@ -2866,7 +2871,7 @@
       </p:sp>
       <p:sp>
         <p:nvSpPr>
-          <p:cNvPr id="4" name="Datumsplatzhalter 3">
+          <p:cNvPr id="4" name="Datumsplatzhalter 3" hidden="1">
             <a:extLst>
               <a:ext uri="{FF2B5EF4-FFF2-40B4-BE49-F238E27FC236}">
                 <a16:creationId xmlns:a16="http://schemas.microsoft.com/office/drawing/2014/main" id="{5A52B8D1-4239-091F-EF07-C3B66DC97C02}"/>
@@ -2903,10 +2908,10 @@
             </a:lvl1pPr>
           </a:lstStyle>
           <a:p>
-            <a:fld id="{DDA3F94C-88A9-4510-B8D7-CD22C18CF4A5}" type="datetimeFigureOut">
+            <a:r>
               <a:rPr lang="de-DE" smtClean="0"/>
-              <a:t>27.05.2022</a:t>
-            </a:fld>
+              <a:t> </a:t>
+            </a:r>
             <a:endParaRPr lang="de-DE"/>
           </a:p>
         </p:txBody>
@@ -2956,7 +2961,7 @@
       </p:sp>
       <p:sp>
         <p:nvSpPr>
-          <p:cNvPr id="6" name="Foliennummernplatzhalter 5">
+          <p:cNvPr id="6" name="Foliennummernplatzhalter 5" hidden="1">
             <a:extLst>
               <a:ext uri="{FF2B5EF4-FFF2-40B4-BE49-F238E27FC236}">
                 <a16:creationId xmlns:a16="http://schemas.microsoft.com/office/drawing/2014/main" id="{518E6D3B-B0C4-5002-96C7-60BA283D8775}"/>
@@ -2993,10 +2998,10 @@
             </a:lvl1pPr>
           </a:lstStyle>
           <a:p>
-            <a:fld id="{3070C5CD-A321-4353-8801-E0AE8147DE01}" type="slidenum">
+            <a:r>
               <a:rPr lang="de-DE" smtClean="0"/>
-              <a:t>‹Nr.›</a:t>
-            </a:fld>
+              <a:t> </a:t>
+            </a:r>
             <a:endParaRPr lang="de-DE"/>
           </a:p>
         </p:txBody>
@@ -3324,51 +3329,1114 @@
       </p:grpSpPr>
       <p:sp>
         <p:nvSpPr>
-          <p:cNvPr id="2" name="Titel 1">
-            <a:extLst>
-              <a:ext uri="{FF2B5EF4-FFF2-40B4-BE49-F238E27FC236}">
-                <a16:creationId xmlns:a16="http://schemas.microsoft.com/office/drawing/2014/main" id="{3E8F9483-9BBE-4310-7BC6-4D1FB8163357}"/>
-              </a:ext>
-            </a:extLst>
-          </p:cNvPr>
-          <p:cNvSpPr>
-            <a:spLocks noGrp="1"/>
-          </p:cNvSpPr>
-          <p:nvPr>
-            <p:ph type="ctrTitle"/>
-          </p:nvPr>
-        </p:nvSpPr>
-        <p:spPr/>
-        <p:txBody>
-          <a:bodyPr/>
-          <a:lstStyle/>
-          <a:p>
+          <p:cNvPr id="4" name="Rechteck: abgerundete Ecken 4">
+            <a:extLst>
+              <a:ext uri="{FF2B5EF4-FFF2-40B4-BE49-F238E27FC236}">
+                <a16:creationId xmlns:a16="http://schemas.microsoft.com/office/drawing/2014/main" id="{5E39BEA9-FEF2-2B38-FA0D-5E7B0BDB99BB}"/>
+              </a:ext>
+            </a:extLst>
+          </p:cNvPr>
+          <p:cNvSpPr/>
+          <p:nvPr/>
+        </p:nvSpPr>
+        <p:spPr>
+          <a:xfrm>
+            <a:off x="4332763" y="5754124"/>
+            <a:ext cx="1452880" cy="975360"/>
+          </a:xfrm>
+          <a:prstGeom prst="roundRect">
+            <a:avLst/>
+          </a:prstGeom>
+        </p:spPr>
+        <p:style>
+          <a:lnRef idx="2">
+            <a:schemeClr val="accent1">
+              <a:shade val="50000"/>
+            </a:schemeClr>
+          </a:lnRef>
+          <a:fillRef idx="1">
+            <a:schemeClr val="accent1"/>
+          </a:fillRef>
+          <a:effectRef idx="0">
+            <a:schemeClr val="accent1"/>
+          </a:effectRef>
+          <a:fontRef idx="minor">
+            <a:schemeClr val="lt1"/>
+          </a:fontRef>
+        </p:style>
+        <p:txBody>
+          <a:bodyPr rtlCol="0" anchor="ctr"/>
+          <a:lstStyle/>
+          <a:p>
+            <a:pPr algn="ctr"/>
+            <a:r>
+              <a:rPr lang="de-DE" dirty="0"/>
+              <a:t>Radarsensor</a:t>
+            </a:r>
+          </a:p>
+        </p:txBody>
+      </p:sp>
+      <p:sp>
+        <p:nvSpPr>
+          <p:cNvPr id="5" name="Bogen 5">
+            <a:extLst>
+              <a:ext uri="{FF2B5EF4-FFF2-40B4-BE49-F238E27FC236}">
+                <a16:creationId xmlns:a16="http://schemas.microsoft.com/office/drawing/2014/main" id="{F08C63A4-A5DC-FB6C-7864-F7133624F6DE}"/>
+              </a:ext>
+            </a:extLst>
+          </p:cNvPr>
+          <p:cNvSpPr/>
+          <p:nvPr/>
+        </p:nvSpPr>
+        <p:spPr>
+          <a:xfrm>
+            <a:off x="3802601" y="5435716"/>
+            <a:ext cx="2529840" cy="1097280"/>
+          </a:xfrm>
+          <a:prstGeom prst="arc">
+            <a:avLst>
+              <a:gd name="adj1" fmla="val 11727673"/>
+              <a:gd name="adj2" fmla="val 20543929"/>
+            </a:avLst>
+          </a:prstGeom>
+          <a:ln w="19050"/>
+        </p:spPr>
+        <p:style>
+          <a:lnRef idx="1">
+            <a:schemeClr val="dk1"/>
+          </a:lnRef>
+          <a:fillRef idx="0">
+            <a:schemeClr val="dk1"/>
+          </a:fillRef>
+          <a:effectRef idx="0">
+            <a:schemeClr val="dk1"/>
+          </a:effectRef>
+          <a:fontRef idx="minor">
+            <a:schemeClr val="tx1"/>
+          </a:fontRef>
+        </p:style>
+        <p:txBody>
+          <a:bodyPr rtlCol="0" anchor="ctr"/>
+          <a:lstStyle/>
+          <a:p>
+            <a:pPr algn="ctr"/>
             <a:endParaRPr lang="de-DE"/>
           </a:p>
         </p:txBody>
       </p:sp>
       <p:sp>
         <p:nvSpPr>
-          <p:cNvPr id="3" name="Untertitel 2">
-            <a:extLst>
-              <a:ext uri="{FF2B5EF4-FFF2-40B4-BE49-F238E27FC236}">
-                <a16:creationId xmlns:a16="http://schemas.microsoft.com/office/drawing/2014/main" id="{C257389A-5185-D7EC-845E-3DFF86DDEA56}"/>
-              </a:ext>
-            </a:extLst>
-          </p:cNvPr>
-          <p:cNvSpPr>
-            <a:spLocks noGrp="1"/>
-          </p:cNvSpPr>
-          <p:nvPr>
-            <p:ph type="subTitle" idx="1"/>
-          </p:nvPr>
-        </p:nvSpPr>
-        <p:spPr/>
-        <p:txBody>
-          <a:bodyPr/>
-          <a:lstStyle/>
-          <a:p>
+          <p:cNvPr id="6" name="Bogen 6">
+            <a:extLst>
+              <a:ext uri="{FF2B5EF4-FFF2-40B4-BE49-F238E27FC236}">
+                <a16:creationId xmlns:a16="http://schemas.microsoft.com/office/drawing/2014/main" id="{E6249BF1-9411-CE27-F5D8-EBFA688F0438}"/>
+              </a:ext>
+            </a:extLst>
+          </p:cNvPr>
+          <p:cNvSpPr/>
+          <p:nvPr/>
+        </p:nvSpPr>
+        <p:spPr>
+          <a:xfrm>
+            <a:off x="3202918" y="4829564"/>
+            <a:ext cx="3703320" cy="1899920"/>
+          </a:xfrm>
+          <a:prstGeom prst="arc">
+            <a:avLst>
+              <a:gd name="adj1" fmla="val 11727673"/>
+              <a:gd name="adj2" fmla="val 20543929"/>
+            </a:avLst>
+          </a:prstGeom>
+          <a:ln w="19050"/>
+        </p:spPr>
+        <p:style>
+          <a:lnRef idx="1">
+            <a:schemeClr val="dk1"/>
+          </a:lnRef>
+          <a:fillRef idx="0">
+            <a:schemeClr val="dk1"/>
+          </a:fillRef>
+          <a:effectRef idx="0">
+            <a:schemeClr val="dk1"/>
+          </a:effectRef>
+          <a:fontRef idx="minor">
+            <a:schemeClr val="tx1"/>
+          </a:fontRef>
+        </p:style>
+        <p:txBody>
+          <a:bodyPr rtlCol="0" anchor="ctr"/>
+          <a:lstStyle/>
+          <a:p>
+            <a:pPr algn="ctr"/>
             <a:endParaRPr lang="de-DE"/>
+          </a:p>
+        </p:txBody>
+      </p:sp>
+      <p:sp>
+        <p:nvSpPr>
+          <p:cNvPr id="7" name="Bogen 7">
+            <a:extLst>
+              <a:ext uri="{FF2B5EF4-FFF2-40B4-BE49-F238E27FC236}">
+                <a16:creationId xmlns:a16="http://schemas.microsoft.com/office/drawing/2014/main" id="{5A130FCD-7D19-93B6-62DB-774C4A6784A9}"/>
+              </a:ext>
+            </a:extLst>
+          </p:cNvPr>
+          <p:cNvSpPr/>
+          <p:nvPr/>
+        </p:nvSpPr>
+        <p:spPr>
+          <a:xfrm>
+            <a:off x="2637768" y="4246221"/>
+            <a:ext cx="4833620" cy="2519680"/>
+          </a:xfrm>
+          <a:prstGeom prst="arc">
+            <a:avLst>
+              <a:gd name="adj1" fmla="val 11727673"/>
+              <a:gd name="adj2" fmla="val 20543929"/>
+            </a:avLst>
+          </a:prstGeom>
+          <a:ln w="19050"/>
+        </p:spPr>
+        <p:style>
+          <a:lnRef idx="1">
+            <a:schemeClr val="dk1"/>
+          </a:lnRef>
+          <a:fillRef idx="0">
+            <a:schemeClr val="dk1"/>
+          </a:fillRef>
+          <a:effectRef idx="0">
+            <a:schemeClr val="dk1"/>
+          </a:effectRef>
+          <a:fontRef idx="minor">
+            <a:schemeClr val="tx1"/>
+          </a:fontRef>
+        </p:style>
+        <p:txBody>
+          <a:bodyPr rtlCol="0" anchor="ctr"/>
+          <a:lstStyle/>
+          <a:p>
+            <a:pPr algn="ctr"/>
+            <a:endParaRPr lang="de-DE"/>
+          </a:p>
+        </p:txBody>
+      </p:sp>
+      <p:sp>
+        <p:nvSpPr>
+          <p:cNvPr id="15" name="Textfeld 15">
+            <a:extLst>
+              <a:ext uri="{FF2B5EF4-FFF2-40B4-BE49-F238E27FC236}">
+                <a16:creationId xmlns:a16="http://schemas.microsoft.com/office/drawing/2014/main" id="{F0D9EEE3-1DBF-03FD-5C8D-466C27146BD8}"/>
+              </a:ext>
+            </a:extLst>
+          </p:cNvPr>
+          <p:cNvSpPr txBox="1"/>
+          <p:nvPr/>
+        </p:nvSpPr>
+        <p:spPr>
+          <a:xfrm>
+            <a:off x="8227059" y="2431445"/>
+            <a:ext cx="1807211" cy="584775"/>
+          </a:xfrm>
+          <a:prstGeom prst="rect">
+            <a:avLst/>
+          </a:prstGeom>
+          <a:noFill/>
+        </p:spPr>
+        <p:txBody>
+          <a:bodyPr wrap="square" rtlCol="0">
+            <a:spAutoFit/>
+          </a:bodyPr>
+          <a:lstStyle/>
+          <a:p>
+            <a:r>
+              <a:rPr lang="de-DE" sz="3200" dirty="0"/>
+              <a:t>Gang</a:t>
+            </a:r>
+          </a:p>
+        </p:txBody>
+      </p:sp>
+      <p:cxnSp>
+        <p:nvCxnSpPr>
+          <p:cNvPr id="16" name="Gerader Verbinder 11">
+            <a:extLst>
+              <a:ext uri="{FF2B5EF4-FFF2-40B4-BE49-F238E27FC236}">
+                <a16:creationId xmlns:a16="http://schemas.microsoft.com/office/drawing/2014/main" id="{3C08BE9E-AF9C-24D5-1A17-0BB116C2C7B3}"/>
+              </a:ext>
+            </a:extLst>
+          </p:cNvPr>
+          <p:cNvCxnSpPr/>
+          <p:nvPr/>
+        </p:nvCxnSpPr>
+        <p:spPr>
+          <a:xfrm flipH="1">
+            <a:off x="8227059" y="335280"/>
+            <a:ext cx="38258" cy="6327848"/>
+          </a:xfrm>
+          <a:prstGeom prst="line">
+            <a:avLst/>
+          </a:prstGeom>
+          <a:ln w="28575"/>
+        </p:spPr>
+        <p:style>
+          <a:lnRef idx="1">
+            <a:schemeClr val="dk1"/>
+          </a:lnRef>
+          <a:fillRef idx="0">
+            <a:schemeClr val="dk1"/>
+          </a:fillRef>
+          <a:effectRef idx="0">
+            <a:schemeClr val="dk1"/>
+          </a:effectRef>
+          <a:fontRef idx="minor">
+            <a:schemeClr val="tx1"/>
+          </a:fontRef>
+        </p:style>
+      </p:cxnSp>
+      <p:cxnSp>
+        <p:nvCxnSpPr>
+          <p:cNvPr id="20" name="Gerader Verbinder 11">
+            <a:extLst>
+              <a:ext uri="{FF2B5EF4-FFF2-40B4-BE49-F238E27FC236}">
+                <a16:creationId xmlns:a16="http://schemas.microsoft.com/office/drawing/2014/main" id="{3C08BE9E-AF9C-24D5-1A17-0BB116C2C7B3}"/>
+              </a:ext>
+            </a:extLst>
+          </p:cNvPr>
+          <p:cNvCxnSpPr/>
+          <p:nvPr/>
+        </p:nvCxnSpPr>
+        <p:spPr>
+          <a:xfrm>
+            <a:off x="2124232" y="387667"/>
+            <a:ext cx="16033" cy="6341817"/>
+          </a:xfrm>
+          <a:prstGeom prst="line">
+            <a:avLst/>
+          </a:prstGeom>
+          <a:ln w="28575"/>
+        </p:spPr>
+        <p:style>
+          <a:lnRef idx="1">
+            <a:schemeClr val="dk1"/>
+          </a:lnRef>
+          <a:fillRef idx="0">
+            <a:schemeClr val="dk1"/>
+          </a:fillRef>
+          <a:effectRef idx="0">
+            <a:schemeClr val="dk1"/>
+          </a:effectRef>
+          <a:fontRef idx="minor">
+            <a:schemeClr val="tx1"/>
+          </a:fontRef>
+        </p:style>
+      </p:cxnSp>
+      <p:sp>
+        <p:nvSpPr>
+          <p:cNvPr id="21" name="Ellipse 24">
+            <a:extLst>
+              <a:ext uri="{FF2B5EF4-FFF2-40B4-BE49-F238E27FC236}">
+                <a16:creationId xmlns:a16="http://schemas.microsoft.com/office/drawing/2014/main" id="{68DC5CED-5481-E2A4-7E6F-9E3592B4A072}"/>
+              </a:ext>
+            </a:extLst>
+          </p:cNvPr>
+          <p:cNvSpPr/>
+          <p:nvPr/>
+        </p:nvSpPr>
+        <p:spPr>
+          <a:xfrm>
+            <a:off x="9566911" y="1294924"/>
+            <a:ext cx="467359" cy="467359"/>
+          </a:xfrm>
+          <a:prstGeom prst="ellipse">
+            <a:avLst/>
+          </a:prstGeom>
+        </p:spPr>
+        <p:style>
+          <a:lnRef idx="2">
+            <a:schemeClr val="accent1">
+              <a:shade val="50000"/>
+            </a:schemeClr>
+          </a:lnRef>
+          <a:fillRef idx="1">
+            <a:schemeClr val="accent1"/>
+          </a:fillRef>
+          <a:effectRef idx="0">
+            <a:schemeClr val="accent1"/>
+          </a:effectRef>
+          <a:fontRef idx="minor">
+            <a:schemeClr val="lt1"/>
+          </a:fontRef>
+        </p:style>
+        <p:txBody>
+          <a:bodyPr rtlCol="0" anchor="ctr"/>
+          <a:lstStyle/>
+          <a:p>
+            <a:pPr algn="ctr"/>
+            <a:endParaRPr lang="de-DE"/>
+          </a:p>
+        </p:txBody>
+      </p:sp>
+      <p:sp>
+        <p:nvSpPr>
+          <p:cNvPr id="22" name="Textfeld 25">
+            <a:extLst>
+              <a:ext uri="{FF2B5EF4-FFF2-40B4-BE49-F238E27FC236}">
+                <a16:creationId xmlns:a16="http://schemas.microsoft.com/office/drawing/2014/main" id="{6D652DE5-A80F-D387-DC3C-E20D8B4CFDFF}"/>
+              </a:ext>
+            </a:extLst>
+          </p:cNvPr>
+          <p:cNvSpPr txBox="1"/>
+          <p:nvPr/>
+        </p:nvSpPr>
+        <p:spPr>
+          <a:xfrm>
+            <a:off x="9297035" y="438221"/>
+            <a:ext cx="1743708" cy="923330"/>
+          </a:xfrm>
+          <a:prstGeom prst="rect">
+            <a:avLst/>
+          </a:prstGeom>
+          <a:noFill/>
+        </p:spPr>
+        <p:txBody>
+          <a:bodyPr wrap="square" rtlCol="0">
+            <a:spAutoFit/>
+          </a:bodyPr>
+          <a:lstStyle/>
+          <a:p>
+            <a:r>
+              <a:rPr lang="de-DE" dirty="0"/>
+              <a:t>Personen/</a:t>
+            </a:r>
+            <a:br>
+              <a:rPr lang="de-DE" dirty="0"/>
+            </a:br>
+            <a:r>
+              <a:rPr lang="de-DE" dirty="0"/>
+              <a:t>Identifizierte Objekte</a:t>
+            </a:r>
+          </a:p>
+        </p:txBody>
+      </p:sp>
+      <p:sp>
+        <p:nvSpPr>
+          <p:cNvPr id="23" name="Ellipse 20">
+            <a:extLst>
+              <a:ext uri="{FF2B5EF4-FFF2-40B4-BE49-F238E27FC236}">
+                <a16:creationId xmlns:a16="http://schemas.microsoft.com/office/drawing/2014/main" id="{57ABE16A-10B5-BE8A-3362-8E62536A3B6E}"/>
+              </a:ext>
+            </a:extLst>
+          </p:cNvPr>
+          <p:cNvSpPr/>
+          <p:nvPr/>
+        </p:nvSpPr>
+        <p:spPr>
+          <a:xfrm>
+            <a:off x="2867183" y="2938475"/>
+            <a:ext cx="467359" cy="467359"/>
+          </a:xfrm>
+          <a:prstGeom prst="ellipse">
+            <a:avLst/>
+          </a:prstGeom>
+        </p:spPr>
+        <p:style>
+          <a:lnRef idx="2">
+            <a:schemeClr val="accent1">
+              <a:shade val="50000"/>
+            </a:schemeClr>
+          </a:lnRef>
+          <a:fillRef idx="1">
+            <a:schemeClr val="accent1"/>
+          </a:fillRef>
+          <a:effectRef idx="0">
+            <a:schemeClr val="accent1"/>
+          </a:effectRef>
+          <a:fontRef idx="minor">
+            <a:schemeClr val="lt1"/>
+          </a:fontRef>
+        </p:style>
+        <p:txBody>
+          <a:bodyPr rtlCol="0" anchor="ctr"/>
+          <a:lstStyle/>
+          <a:p>
+            <a:pPr algn="ctr"/>
+            <a:endParaRPr lang="de-DE"/>
+          </a:p>
+        </p:txBody>
+      </p:sp>
+      <p:sp>
+        <p:nvSpPr>
+          <p:cNvPr id="24" name="Ellipse 22">
+            <a:extLst>
+              <a:ext uri="{FF2B5EF4-FFF2-40B4-BE49-F238E27FC236}">
+                <a16:creationId xmlns:a16="http://schemas.microsoft.com/office/drawing/2014/main" id="{3D8B0352-557D-B7DE-1813-BD210D841A70}"/>
+              </a:ext>
+            </a:extLst>
+          </p:cNvPr>
+          <p:cNvSpPr/>
+          <p:nvPr/>
+        </p:nvSpPr>
+        <p:spPr>
+          <a:xfrm>
+            <a:off x="6587649" y="1631457"/>
+            <a:ext cx="467359" cy="467359"/>
+          </a:xfrm>
+          <a:prstGeom prst="ellipse">
+            <a:avLst/>
+          </a:prstGeom>
+        </p:spPr>
+        <p:style>
+          <a:lnRef idx="2">
+            <a:schemeClr val="accent1">
+              <a:shade val="50000"/>
+            </a:schemeClr>
+          </a:lnRef>
+          <a:fillRef idx="1">
+            <a:schemeClr val="accent1"/>
+          </a:fillRef>
+          <a:effectRef idx="0">
+            <a:schemeClr val="accent1"/>
+          </a:effectRef>
+          <a:fontRef idx="minor">
+            <a:schemeClr val="lt1"/>
+          </a:fontRef>
+        </p:style>
+        <p:txBody>
+          <a:bodyPr rtlCol="0" anchor="ctr"/>
+          <a:lstStyle/>
+          <a:p>
+            <a:pPr algn="ctr"/>
+            <a:endParaRPr lang="de-DE"/>
+          </a:p>
+        </p:txBody>
+      </p:sp>
+      <p:cxnSp>
+        <p:nvCxnSpPr>
+          <p:cNvPr id="25" name="Gerade Verbindung mit Pfeil 27">
+            <a:extLst>
+              <a:ext uri="{FF2B5EF4-FFF2-40B4-BE49-F238E27FC236}">
+                <a16:creationId xmlns:a16="http://schemas.microsoft.com/office/drawing/2014/main" id="{FFF5A91E-2177-FF47-716B-84A37CF2AB30}"/>
+              </a:ext>
+            </a:extLst>
+          </p:cNvPr>
+          <p:cNvCxnSpPr/>
+          <p:nvPr/>
+        </p:nvCxnSpPr>
+        <p:spPr>
+          <a:xfrm>
+            <a:off x="6821328" y="2098816"/>
+            <a:ext cx="0" cy="1073338"/>
+          </a:xfrm>
+          <a:prstGeom prst="straightConnector1">
+            <a:avLst/>
+          </a:prstGeom>
+          <a:ln w="15875">
+            <a:tailEnd type="triangle" w="lg" len="med"/>
+          </a:ln>
+        </p:spPr>
+        <p:style>
+          <a:lnRef idx="1">
+            <a:schemeClr val="dk1"/>
+          </a:lnRef>
+          <a:fillRef idx="0">
+            <a:schemeClr val="dk1"/>
+          </a:fillRef>
+          <a:effectRef idx="0">
+            <a:schemeClr val="dk1"/>
+          </a:effectRef>
+          <a:fontRef idx="minor">
+            <a:schemeClr val="tx1"/>
+          </a:fontRef>
+        </p:style>
+      </p:cxnSp>
+      <p:cxnSp>
+        <p:nvCxnSpPr>
+          <p:cNvPr id="26" name="Gerade Verbindung mit Pfeil 28">
+            <a:extLst>
+              <a:ext uri="{FF2B5EF4-FFF2-40B4-BE49-F238E27FC236}">
+                <a16:creationId xmlns:a16="http://schemas.microsoft.com/office/drawing/2014/main" id="{CB133CDC-D230-3549-4F77-CDFD7623297A}"/>
+              </a:ext>
+            </a:extLst>
+          </p:cNvPr>
+          <p:cNvCxnSpPr>
+            <a:cxnSpLocks/>
+          </p:cNvCxnSpPr>
+          <p:nvPr/>
+        </p:nvCxnSpPr>
+        <p:spPr>
+          <a:xfrm flipV="1">
+            <a:off x="3095146" y="1826973"/>
+            <a:ext cx="5716" cy="1090811"/>
+          </a:xfrm>
+          <a:prstGeom prst="straightConnector1">
+            <a:avLst/>
+          </a:prstGeom>
+          <a:ln w="15875">
+            <a:tailEnd type="triangle" w="lg" len="med"/>
+          </a:ln>
+        </p:spPr>
+        <p:style>
+          <a:lnRef idx="1">
+            <a:schemeClr val="dk1"/>
+          </a:lnRef>
+          <a:fillRef idx="0">
+            <a:schemeClr val="dk1"/>
+          </a:fillRef>
+          <a:effectRef idx="0">
+            <a:schemeClr val="dk1"/>
+          </a:effectRef>
+          <a:fontRef idx="minor">
+            <a:schemeClr val="tx1"/>
+          </a:fontRef>
+        </p:style>
+      </p:cxnSp>
+      <p:sp>
+        <p:nvSpPr>
+          <p:cNvPr id="29" name="Textfeld 18">
+            <a:extLst>
+              <a:ext uri="{FF2B5EF4-FFF2-40B4-BE49-F238E27FC236}">
+                <a16:creationId xmlns:a16="http://schemas.microsoft.com/office/drawing/2014/main" id="{6216BA03-E497-57EF-034B-E6557907A3F4}"/>
+              </a:ext>
+            </a:extLst>
+          </p:cNvPr>
+          <p:cNvSpPr txBox="1"/>
+          <p:nvPr/>
+        </p:nvSpPr>
+        <p:spPr>
+          <a:xfrm>
+            <a:off x="6224032" y="5300724"/>
+            <a:ext cx="2378074" cy="646331"/>
+          </a:xfrm>
+          <a:prstGeom prst="rect">
+            <a:avLst/>
+          </a:prstGeom>
+          <a:noFill/>
+        </p:spPr>
+        <p:txBody>
+          <a:bodyPr wrap="square" rtlCol="0">
+            <a:spAutoFit/>
+          </a:bodyPr>
+          <a:lstStyle/>
+          <a:p>
+            <a:r>
+              <a:rPr lang="de-DE" dirty="0" smtClean="0"/>
+              <a:t>Raum;</a:t>
+            </a:r>
+            <a:r>
+              <a:rPr lang="de-DE" dirty="0"/>
+              <a:t/>
+            </a:r>
+            <a:br>
+              <a:rPr lang="de-DE" dirty="0"/>
+            </a:br>
+            <a:r>
+              <a:rPr lang="de-DE" dirty="0"/>
+              <a:t>Zähler wird </a:t>
+            </a:r>
+            <a:r>
+              <a:rPr lang="de-DE" dirty="0" smtClean="0"/>
+              <a:t>erhöht</a:t>
+            </a:r>
+            <a:endParaRPr lang="de-DE" dirty="0"/>
+          </a:p>
+        </p:txBody>
+      </p:sp>
+      <p:sp>
+        <p:nvSpPr>
+          <p:cNvPr id="30" name="Textfeld 18">
+            <a:extLst>
+              <a:ext uri="{FF2B5EF4-FFF2-40B4-BE49-F238E27FC236}">
+                <a16:creationId xmlns:a16="http://schemas.microsoft.com/office/drawing/2014/main" id="{6216BA03-E497-57EF-034B-E6557907A3F4}"/>
+              </a:ext>
+            </a:extLst>
+          </p:cNvPr>
+          <p:cNvSpPr txBox="1"/>
+          <p:nvPr/>
+        </p:nvSpPr>
+        <p:spPr>
+          <a:xfrm>
+            <a:off x="6079249" y="-23299"/>
+            <a:ext cx="2378074" cy="646331"/>
+          </a:xfrm>
+          <a:prstGeom prst="rect">
+            <a:avLst/>
+          </a:prstGeom>
+          <a:noFill/>
+        </p:spPr>
+        <p:txBody>
+          <a:bodyPr wrap="square" rtlCol="0">
+            <a:spAutoFit/>
+          </a:bodyPr>
+          <a:lstStyle/>
+          <a:p>
+            <a:r>
+              <a:rPr lang="de-DE" dirty="0"/>
+              <a:t>Ein/Ausgang; </a:t>
+            </a:r>
+            <a:br>
+              <a:rPr lang="de-DE" dirty="0"/>
+            </a:br>
+            <a:r>
+              <a:rPr lang="de-DE" dirty="0"/>
+              <a:t>Zähler wird erniedrigt</a:t>
+            </a:r>
+          </a:p>
+        </p:txBody>
+      </p:sp>
+      <p:sp>
+        <p:nvSpPr>
+          <p:cNvPr id="31" name="TextBox 30"/>
+          <p:cNvSpPr txBox="1"/>
+          <p:nvPr/>
+        </p:nvSpPr>
+        <p:spPr>
+          <a:xfrm>
+            <a:off x="1511615" y="4610958"/>
+            <a:ext cx="1257300" cy="369332"/>
+          </a:xfrm>
+          <a:prstGeom prst="rect">
+            <a:avLst/>
+          </a:prstGeom>
+          <a:noFill/>
+        </p:spPr>
+        <p:txBody>
+          <a:bodyPr wrap="square" rtlCol="0">
+            <a:spAutoFit/>
+          </a:bodyPr>
+          <a:lstStyle/>
+          <a:p>
+            <a:r>
+              <a:rPr lang="en-US" dirty="0" smtClean="0"/>
+              <a:t>2m</a:t>
+            </a:r>
+            <a:endParaRPr lang="en-US" dirty="0"/>
+          </a:p>
+        </p:txBody>
+      </p:sp>
+      <p:sp>
+        <p:nvSpPr>
+          <p:cNvPr id="32" name="TextBox 31"/>
+          <p:cNvSpPr txBox="1"/>
+          <p:nvPr/>
+        </p:nvSpPr>
+        <p:spPr>
+          <a:xfrm>
+            <a:off x="1511615" y="3901894"/>
+            <a:ext cx="1257300" cy="369332"/>
+          </a:xfrm>
+          <a:prstGeom prst="rect">
+            <a:avLst/>
+          </a:prstGeom>
+          <a:noFill/>
+        </p:spPr>
+        <p:txBody>
+          <a:bodyPr wrap="square" rtlCol="0">
+            <a:spAutoFit/>
+          </a:bodyPr>
+          <a:lstStyle/>
+          <a:p>
+            <a:r>
+              <a:rPr lang="en-US" dirty="0"/>
+              <a:t>3</a:t>
+            </a:r>
+            <a:r>
+              <a:rPr lang="en-US" dirty="0" smtClean="0"/>
+              <a:t>m</a:t>
+            </a:r>
+            <a:endParaRPr lang="en-US" dirty="0"/>
+          </a:p>
+        </p:txBody>
+      </p:sp>
+      <p:sp>
+        <p:nvSpPr>
+          <p:cNvPr id="33" name="TextBox 32"/>
+          <p:cNvSpPr txBox="1"/>
+          <p:nvPr/>
+        </p:nvSpPr>
+        <p:spPr>
+          <a:xfrm>
+            <a:off x="1503598" y="2116283"/>
+            <a:ext cx="1257300" cy="369332"/>
+          </a:xfrm>
+          <a:prstGeom prst="rect">
+            <a:avLst/>
+          </a:prstGeom>
+          <a:noFill/>
+        </p:spPr>
+        <p:txBody>
+          <a:bodyPr wrap="square" rtlCol="0">
+            <a:spAutoFit/>
+          </a:bodyPr>
+          <a:lstStyle/>
+          <a:p>
+            <a:r>
+              <a:rPr lang="en-US" dirty="0" smtClean="0"/>
+              <a:t>6m</a:t>
+            </a:r>
+            <a:endParaRPr lang="en-US" dirty="0"/>
+          </a:p>
+        </p:txBody>
+      </p:sp>
+      <p:sp>
+        <p:nvSpPr>
+          <p:cNvPr id="34" name="TextBox 33"/>
+          <p:cNvSpPr txBox="1"/>
+          <p:nvPr/>
+        </p:nvSpPr>
+        <p:spPr>
+          <a:xfrm>
+            <a:off x="1575365" y="1439407"/>
+            <a:ext cx="1257300" cy="369332"/>
+          </a:xfrm>
+          <a:prstGeom prst="rect">
+            <a:avLst/>
+          </a:prstGeom>
+          <a:noFill/>
+        </p:spPr>
+        <p:txBody>
+          <a:bodyPr wrap="square" rtlCol="0">
+            <a:spAutoFit/>
+          </a:bodyPr>
+          <a:lstStyle/>
+          <a:p>
+            <a:r>
+              <a:rPr lang="en-US" dirty="0"/>
+              <a:t>7</a:t>
+            </a:r>
+            <a:r>
+              <a:rPr lang="en-US" dirty="0" smtClean="0"/>
+              <a:t>m</a:t>
+            </a:r>
+            <a:endParaRPr lang="en-US" dirty="0"/>
+          </a:p>
+        </p:txBody>
+      </p:sp>
+      <p:sp>
+        <p:nvSpPr>
+          <p:cNvPr id="36" name="Bogen 6">
+            <a:extLst>
+              <a:ext uri="{FF2B5EF4-FFF2-40B4-BE49-F238E27FC236}">
+                <a16:creationId xmlns:a16="http://schemas.microsoft.com/office/drawing/2014/main" id="{E6249BF1-9411-CE27-F5D8-EBFA688F0438}"/>
+              </a:ext>
+            </a:extLst>
+          </p:cNvPr>
+          <p:cNvSpPr/>
+          <p:nvPr/>
+        </p:nvSpPr>
+        <p:spPr>
+          <a:xfrm>
+            <a:off x="1789661" y="3143178"/>
+            <a:ext cx="6895465" cy="3920539"/>
+          </a:xfrm>
+          <a:prstGeom prst="arc">
+            <a:avLst>
+              <a:gd name="adj1" fmla="val 11727673"/>
+              <a:gd name="adj2" fmla="val 20543929"/>
+            </a:avLst>
+          </a:prstGeom>
+          <a:ln w="19050">
+            <a:solidFill>
+              <a:schemeClr val="tx1">
+                <a:lumMod val="50000"/>
+                <a:lumOff val="50000"/>
+              </a:schemeClr>
+            </a:solidFill>
+            <a:prstDash val="dash"/>
+          </a:ln>
+        </p:spPr>
+        <p:style>
+          <a:lnRef idx="1">
+            <a:schemeClr val="dk1"/>
+          </a:lnRef>
+          <a:fillRef idx="0">
+            <a:schemeClr val="dk1"/>
+          </a:fillRef>
+          <a:effectRef idx="0">
+            <a:schemeClr val="dk1"/>
+          </a:effectRef>
+          <a:fontRef idx="minor">
+            <a:schemeClr val="tx1"/>
+          </a:fontRef>
+        </p:style>
+        <p:txBody>
+          <a:bodyPr rtlCol="0" anchor="ctr"/>
+          <a:lstStyle/>
+          <a:p>
+            <a:pPr algn="ctr"/>
+            <a:endParaRPr lang="de-DE"/>
+          </a:p>
+        </p:txBody>
+      </p:sp>
+      <p:sp>
+        <p:nvSpPr>
+          <p:cNvPr id="37" name="Bogen 6">
+            <a:extLst>
+              <a:ext uri="{FF2B5EF4-FFF2-40B4-BE49-F238E27FC236}">
+                <a16:creationId xmlns:a16="http://schemas.microsoft.com/office/drawing/2014/main" id="{E6249BF1-9411-CE27-F5D8-EBFA688F0438}"/>
+              </a:ext>
+            </a:extLst>
+          </p:cNvPr>
+          <p:cNvSpPr/>
+          <p:nvPr/>
+        </p:nvSpPr>
+        <p:spPr>
+          <a:xfrm>
+            <a:off x="1801777" y="3787242"/>
+            <a:ext cx="6767750" cy="3920539"/>
+          </a:xfrm>
+          <a:prstGeom prst="arc">
+            <a:avLst>
+              <a:gd name="adj1" fmla="val 11727673"/>
+              <a:gd name="adj2" fmla="val 20543929"/>
+            </a:avLst>
+          </a:prstGeom>
+          <a:ln w="19050">
+            <a:solidFill>
+              <a:schemeClr val="tx1">
+                <a:lumMod val="50000"/>
+                <a:lumOff val="50000"/>
+              </a:schemeClr>
+            </a:solidFill>
+            <a:prstDash val="dash"/>
+          </a:ln>
+        </p:spPr>
+        <p:style>
+          <a:lnRef idx="1">
+            <a:schemeClr val="dk1"/>
+          </a:lnRef>
+          <a:fillRef idx="0">
+            <a:schemeClr val="dk1"/>
+          </a:fillRef>
+          <a:effectRef idx="0">
+            <a:schemeClr val="dk1"/>
+          </a:effectRef>
+          <a:fontRef idx="minor">
+            <a:schemeClr val="tx1"/>
+          </a:fontRef>
+        </p:style>
+        <p:txBody>
+          <a:bodyPr rtlCol="0" anchor="ctr"/>
+          <a:lstStyle/>
+          <a:p>
+            <a:pPr algn="ctr"/>
+            <a:endParaRPr lang="de-DE"/>
+          </a:p>
+        </p:txBody>
+      </p:sp>
+      <p:sp>
+        <p:nvSpPr>
+          <p:cNvPr id="43" name="Bogen 6">
+            <a:extLst>
+              <a:ext uri="{FF2B5EF4-FFF2-40B4-BE49-F238E27FC236}">
+                <a16:creationId xmlns:a16="http://schemas.microsoft.com/office/drawing/2014/main" id="{E6249BF1-9411-CE27-F5D8-EBFA688F0438}"/>
+              </a:ext>
+            </a:extLst>
+          </p:cNvPr>
+          <p:cNvSpPr/>
+          <p:nvPr/>
+        </p:nvSpPr>
+        <p:spPr>
+          <a:xfrm>
+            <a:off x="1801777" y="574792"/>
+            <a:ext cx="6895465" cy="3920539"/>
+          </a:xfrm>
+          <a:prstGeom prst="arc">
+            <a:avLst>
+              <a:gd name="adj1" fmla="val 11727673"/>
+              <a:gd name="adj2" fmla="val 20543929"/>
+            </a:avLst>
+          </a:prstGeom>
+          <a:ln w="19050">
+            <a:solidFill>
+              <a:schemeClr val="tx1">
+                <a:lumMod val="50000"/>
+                <a:lumOff val="50000"/>
+              </a:schemeClr>
+            </a:solidFill>
+            <a:prstDash val="dash"/>
+          </a:ln>
+        </p:spPr>
+        <p:style>
+          <a:lnRef idx="1">
+            <a:schemeClr val="dk1"/>
+          </a:lnRef>
+          <a:fillRef idx="0">
+            <a:schemeClr val="dk1"/>
+          </a:fillRef>
+          <a:effectRef idx="0">
+            <a:schemeClr val="dk1"/>
+          </a:effectRef>
+          <a:fontRef idx="minor">
+            <a:schemeClr val="tx1"/>
+          </a:fontRef>
+        </p:style>
+        <p:txBody>
+          <a:bodyPr rtlCol="0" anchor="ctr"/>
+          <a:lstStyle/>
+          <a:p>
+            <a:pPr algn="ctr"/>
+            <a:endParaRPr lang="de-DE"/>
+          </a:p>
+        </p:txBody>
+      </p:sp>
+      <p:sp>
+        <p:nvSpPr>
+          <p:cNvPr id="44" name="Bogen 6">
+            <a:extLst>
+              <a:ext uri="{FF2B5EF4-FFF2-40B4-BE49-F238E27FC236}">
+                <a16:creationId xmlns:a16="http://schemas.microsoft.com/office/drawing/2014/main" id="{E6249BF1-9411-CE27-F5D8-EBFA688F0438}"/>
+              </a:ext>
+            </a:extLst>
+          </p:cNvPr>
+          <p:cNvSpPr/>
+          <p:nvPr/>
+        </p:nvSpPr>
+        <p:spPr>
+          <a:xfrm>
+            <a:off x="1813893" y="1218856"/>
+            <a:ext cx="6767750" cy="3920539"/>
+          </a:xfrm>
+          <a:prstGeom prst="arc">
+            <a:avLst>
+              <a:gd name="adj1" fmla="val 11727673"/>
+              <a:gd name="adj2" fmla="val 20543929"/>
+            </a:avLst>
+          </a:prstGeom>
+          <a:ln w="19050">
+            <a:solidFill>
+              <a:schemeClr val="tx1">
+                <a:lumMod val="50000"/>
+                <a:lumOff val="50000"/>
+              </a:schemeClr>
+            </a:solidFill>
+            <a:prstDash val="dash"/>
+          </a:ln>
+        </p:spPr>
+        <p:style>
+          <a:lnRef idx="1">
+            <a:schemeClr val="dk1"/>
+          </a:lnRef>
+          <a:fillRef idx="0">
+            <a:schemeClr val="dk1"/>
+          </a:fillRef>
+          <a:effectRef idx="0">
+            <a:schemeClr val="dk1"/>
+          </a:effectRef>
+          <a:fontRef idx="minor">
+            <a:schemeClr val="tx1"/>
+          </a:fontRef>
+        </p:style>
+        <p:txBody>
+          <a:bodyPr rtlCol="0" anchor="ctr"/>
+          <a:lstStyle/>
+          <a:p>
+            <a:pPr algn="ctr"/>
+            <a:endParaRPr lang="de-DE"/>
+          </a:p>
+        </p:txBody>
+      </p:sp>
+      <p:sp>
+        <p:nvSpPr>
+          <p:cNvPr id="45" name="TextBox 44"/>
+          <p:cNvSpPr txBox="1"/>
+          <p:nvPr/>
+        </p:nvSpPr>
+        <p:spPr>
+          <a:xfrm>
+            <a:off x="4079356" y="749990"/>
+            <a:ext cx="2296559" cy="369332"/>
+          </a:xfrm>
+          <a:prstGeom prst="rect">
+            <a:avLst/>
+          </a:prstGeom>
+          <a:noFill/>
+        </p:spPr>
+        <p:txBody>
+          <a:bodyPr wrap="square" rtlCol="0">
+            <a:spAutoFit/>
+          </a:bodyPr>
+          <a:lstStyle/>
+          <a:p>
+            <a:r>
+              <a:rPr lang="en-US" dirty="0" err="1" smtClean="0"/>
+              <a:t>Hysteresegebiet</a:t>
+            </a:r>
+            <a:r>
+              <a:rPr lang="en-US" dirty="0" smtClean="0"/>
+              <a:t> </a:t>
+            </a:r>
+            <a:r>
+              <a:rPr lang="en-US" dirty="0" err="1" smtClean="0"/>
+              <a:t>oben</a:t>
+            </a:r>
+            <a:endParaRPr lang="en-US" dirty="0"/>
+          </a:p>
+        </p:txBody>
+      </p:sp>
+      <p:sp>
+        <p:nvSpPr>
+          <p:cNvPr id="46" name="TextBox 45"/>
+          <p:cNvSpPr txBox="1"/>
+          <p:nvPr/>
+        </p:nvSpPr>
+        <p:spPr>
+          <a:xfrm>
+            <a:off x="4101229" y="3279126"/>
+            <a:ext cx="2296559" cy="369332"/>
+          </a:xfrm>
+          <a:prstGeom prst="rect">
+            <a:avLst/>
+          </a:prstGeom>
+          <a:noFill/>
+        </p:spPr>
+        <p:txBody>
+          <a:bodyPr wrap="square" rtlCol="0">
+            <a:spAutoFit/>
+          </a:bodyPr>
+          <a:lstStyle/>
+          <a:p>
+            <a:r>
+              <a:rPr lang="en-US" dirty="0" err="1" smtClean="0"/>
+              <a:t>Hysteresegebiet</a:t>
+            </a:r>
+            <a:r>
+              <a:rPr lang="en-US" dirty="0" smtClean="0"/>
+              <a:t> </a:t>
+            </a:r>
+            <a:r>
+              <a:rPr lang="en-US" dirty="0" err="1" smtClean="0"/>
+              <a:t>unten</a:t>
+            </a:r>
+            <a:endParaRPr lang="en-US" dirty="0"/>
+          </a:p>
+        </p:txBody>
+      </p:sp>
+      <p:sp>
+        <p:nvSpPr>
+          <p:cNvPr id="47" name="TextBox 46"/>
+          <p:cNvSpPr txBox="1"/>
+          <p:nvPr/>
+        </p:nvSpPr>
+        <p:spPr>
+          <a:xfrm>
+            <a:off x="4101229" y="1996351"/>
+            <a:ext cx="2296559" cy="369332"/>
+          </a:xfrm>
+          <a:prstGeom prst="rect">
+            <a:avLst/>
+          </a:prstGeom>
+          <a:noFill/>
+        </p:spPr>
+        <p:txBody>
+          <a:bodyPr wrap="square" rtlCol="0">
+            <a:spAutoFit/>
+          </a:bodyPr>
+          <a:lstStyle/>
+          <a:p>
+            <a:r>
+              <a:rPr lang="en-US" dirty="0" err="1" smtClean="0"/>
+              <a:t>Mittelbereich</a:t>
+            </a:r>
+            <a:endParaRPr lang="en-US" dirty="0"/>
           </a:p>
         </p:txBody>
       </p:sp>
@@ -3382,6 +4450,13 @@
   <p:clrMapOvr>
     <a:masterClrMapping/>
   </p:clrMapOvr>
+  <p:timing>
+    <p:tnLst>
+      <p:par>
+        <p:cTn id="1" dur="indefinite" restart="never" nodeType="tmRoot"/>
+      </p:par>
+    </p:tnLst>
+  </p:timing>
 </p:sld>
 </file>
 
@@ -4188,6 +5263,13 @@
   <p:clrMapOvr>
     <a:masterClrMapping/>
   </p:clrMapOvr>
+  <p:timing>
+    <p:tnLst>
+      <p:par>
+        <p:cTn id="1" dur="indefinite" restart="never" nodeType="tmRoot"/>
+      </p:par>
+    </p:tnLst>
+  </p:timing>
 </p:sld>
 </file>
 
